--- a/slides/01-welcome.pptx
+++ b/slides/01-welcome.pptx
@@ -360,7 +360,7 @@
             <a:fld id="{5586B75A-687E-405C-8A0B-8D00578BA2C3}" type="datetimeFigureOut">
               <a:rPr lang="en-US" smtClean="0"/>
               <a:pPr/>
-              <a:t>8/7/23</a:t>
+              <a:t>8/9/23</a:t>
             </a:fld>
             <a:endParaRPr lang="en-US" dirty="0"/>
           </a:p>
@@ -532,7 +532,7 @@
             <a:fld id="{5586B75A-687E-405C-8A0B-8D00578BA2C3}" type="datetimeFigureOut">
               <a:rPr lang="en-US" smtClean="0"/>
               <a:pPr/>
-              <a:t>8/7/23</a:t>
+              <a:t>8/9/23</a:t>
             </a:fld>
             <a:endParaRPr lang="en-US" dirty="0"/>
           </a:p>
@@ -714,7 +714,7 @@
             <a:fld id="{5586B75A-687E-405C-8A0B-8D00578BA2C3}" type="datetimeFigureOut">
               <a:rPr lang="en-US" smtClean="0"/>
               <a:pPr/>
-              <a:t>8/7/23</a:t>
+              <a:t>8/9/23</a:t>
             </a:fld>
             <a:endParaRPr lang="en-US" dirty="0"/>
           </a:p>
@@ -886,7 +886,7 @@
             <a:fld id="{5586B75A-687E-405C-8A0B-8D00578BA2C3}" type="datetimeFigureOut">
               <a:rPr lang="en-US" smtClean="0"/>
               <a:pPr/>
-              <a:t>8/7/23</a:t>
+              <a:t>8/9/23</a:t>
             </a:fld>
             <a:endParaRPr lang="en-US" dirty="0"/>
           </a:p>
@@ -1142,7 +1142,7 @@
             <a:fld id="{5586B75A-687E-405C-8A0B-8D00578BA2C3}" type="datetimeFigureOut">
               <a:rPr lang="en-US" smtClean="0"/>
               <a:pPr/>
-              <a:t>8/7/23</a:t>
+              <a:t>8/9/23</a:t>
             </a:fld>
             <a:endParaRPr lang="en-US" dirty="0"/>
           </a:p>
@@ -1432,7 +1432,7 @@
             <a:fld id="{5586B75A-687E-405C-8A0B-8D00578BA2C3}" type="datetimeFigureOut">
               <a:rPr lang="en-US" smtClean="0"/>
               <a:pPr/>
-              <a:t>8/7/23</a:t>
+              <a:t>8/9/23</a:t>
             </a:fld>
             <a:endParaRPr lang="en-US" dirty="0"/>
           </a:p>
@@ -1876,7 +1876,7 @@
             <a:fld id="{5586B75A-687E-405C-8A0B-8D00578BA2C3}" type="datetimeFigureOut">
               <a:rPr lang="en-US" smtClean="0"/>
               <a:pPr/>
-              <a:t>8/7/23</a:t>
+              <a:t>8/9/23</a:t>
             </a:fld>
             <a:endParaRPr lang="en-US" dirty="0"/>
           </a:p>
@@ -1996,7 +1996,7 @@
             <a:fld id="{5586B75A-687E-405C-8A0B-8D00578BA2C3}" type="datetimeFigureOut">
               <a:rPr lang="en-US" smtClean="0"/>
               <a:pPr/>
-              <a:t>8/7/23</a:t>
+              <a:t>8/9/23</a:t>
             </a:fld>
             <a:endParaRPr lang="en-US" dirty="0"/>
           </a:p>
@@ -2093,7 +2093,7 @@
             <a:fld id="{5586B75A-687E-405C-8A0B-8D00578BA2C3}" type="datetimeFigureOut">
               <a:rPr lang="en-US" smtClean="0"/>
               <a:pPr/>
-              <a:t>8/7/23</a:t>
+              <a:t>8/9/23</a:t>
             </a:fld>
             <a:endParaRPr lang="en-US" dirty="0"/>
           </a:p>
@@ -2383,7 +2383,7 @@
             <a:fld id="{5586B75A-687E-405C-8A0B-8D00578BA2C3}" type="datetimeFigureOut">
               <a:rPr lang="en-US" smtClean="0"/>
               <a:pPr/>
-              <a:t>8/7/23</a:t>
+              <a:t>8/9/23</a:t>
             </a:fld>
             <a:endParaRPr lang="en-US" dirty="0"/>
           </a:p>
@@ -2658,7 +2658,7 @@
             <a:fld id="{5586B75A-687E-405C-8A0B-8D00578BA2C3}" type="datetimeFigureOut">
               <a:rPr lang="en-US" smtClean="0"/>
               <a:pPr/>
-              <a:t>8/7/23</a:t>
+              <a:t>8/9/23</a:t>
             </a:fld>
             <a:endParaRPr lang="en-US" dirty="0"/>
           </a:p>
@@ -2957,7 +2957,7 @@
             <a:fld id="{5586B75A-687E-405C-8A0B-8D00578BA2C3}" type="datetimeFigureOut">
               <a:rPr lang="en-US" smtClean="0"/>
               <a:pPr/>
-              <a:t>8/7/23</a:t>
+              <a:t>8/9/23</a:t>
             </a:fld>
             <a:endParaRPr lang="en-US" dirty="0"/>
           </a:p>
@@ -3497,6 +3497,51 @@
           </a:p>
         </p:txBody>
       </p:sp>
+      <p:sp>
+        <p:nvSpPr>
+          <p:cNvPr id="4" name="TextBox 3">
+            <a:extLst>
+              <a:ext uri="{FF2B5EF4-FFF2-40B4-BE49-F238E27FC236}">
+                <a16:creationId xmlns:a16="http://schemas.microsoft.com/office/drawing/2014/main" id="{FB6B92EB-A5CA-C805-0231-A8390543F4E1}"/>
+              </a:ext>
+            </a:extLst>
+          </p:cNvPr>
+          <p:cNvSpPr txBox="1"/>
+          <p:nvPr/>
+        </p:nvSpPr>
+        <p:spPr>
+          <a:xfrm>
+            <a:off x="2286000" y="6342185"/>
+            <a:ext cx="7444410" cy="369332"/>
+          </a:xfrm>
+          <a:prstGeom prst="rect">
+            <a:avLst/>
+          </a:prstGeom>
+          <a:noFill/>
+        </p:spPr>
+        <p:txBody>
+          <a:bodyPr wrap="none" rtlCol="0">
+            <a:spAutoFit/>
+          </a:bodyPr>
+          <a:lstStyle/>
+          <a:p>
+            <a:r>
+              <a:rPr lang="en-US" dirty="0"/>
+              <a:t>Slides based off slides courtesy of Jordan Crouser (</a:t>
+            </a:r>
+            <a:r>
+              <a:rPr lang="en-US" dirty="0">
+                <a:hlinkClick r:id="rId2"/>
+              </a:rPr>
+              <a:t>https://jcrouser.github.io/</a:t>
+            </a:r>
+            <a:r>
+              <a:rPr lang="en-US" dirty="0"/>
+              <a:t>) </a:t>
+            </a:r>
+          </a:p>
+        </p:txBody>
+      </p:sp>
     </p:spTree>
     <p:extLst>
       <p:ext uri="{BB962C8B-B14F-4D97-AF65-F5344CB8AC3E}">

--- a/slides/01-welcome.pptx
+++ b/slides/01-welcome.pptx
@@ -360,7 +360,7 @@
             <a:fld id="{5586B75A-687E-405C-8A0B-8D00578BA2C3}" type="datetimeFigureOut">
               <a:rPr lang="en-US" smtClean="0"/>
               <a:pPr/>
-              <a:t>8/9/23</a:t>
+              <a:t>8/31/23</a:t>
             </a:fld>
             <a:endParaRPr lang="en-US" dirty="0"/>
           </a:p>
@@ -532,7 +532,7 @@
             <a:fld id="{5586B75A-687E-405C-8A0B-8D00578BA2C3}" type="datetimeFigureOut">
               <a:rPr lang="en-US" smtClean="0"/>
               <a:pPr/>
-              <a:t>8/9/23</a:t>
+              <a:t>8/31/23</a:t>
             </a:fld>
             <a:endParaRPr lang="en-US" dirty="0"/>
           </a:p>
@@ -714,7 +714,7 @@
             <a:fld id="{5586B75A-687E-405C-8A0B-8D00578BA2C3}" type="datetimeFigureOut">
               <a:rPr lang="en-US" smtClean="0"/>
               <a:pPr/>
-              <a:t>8/9/23</a:t>
+              <a:t>8/31/23</a:t>
             </a:fld>
             <a:endParaRPr lang="en-US" dirty="0"/>
           </a:p>
@@ -886,7 +886,7 @@
             <a:fld id="{5586B75A-687E-405C-8A0B-8D00578BA2C3}" type="datetimeFigureOut">
               <a:rPr lang="en-US" smtClean="0"/>
               <a:pPr/>
-              <a:t>8/9/23</a:t>
+              <a:t>8/31/23</a:t>
             </a:fld>
             <a:endParaRPr lang="en-US" dirty="0"/>
           </a:p>
@@ -1142,7 +1142,7 @@
             <a:fld id="{5586B75A-687E-405C-8A0B-8D00578BA2C3}" type="datetimeFigureOut">
               <a:rPr lang="en-US" smtClean="0"/>
               <a:pPr/>
-              <a:t>8/9/23</a:t>
+              <a:t>8/31/23</a:t>
             </a:fld>
             <a:endParaRPr lang="en-US" dirty="0"/>
           </a:p>
@@ -1432,7 +1432,7 @@
             <a:fld id="{5586B75A-687E-405C-8A0B-8D00578BA2C3}" type="datetimeFigureOut">
               <a:rPr lang="en-US" smtClean="0"/>
               <a:pPr/>
-              <a:t>8/9/23</a:t>
+              <a:t>8/31/23</a:t>
             </a:fld>
             <a:endParaRPr lang="en-US" dirty="0"/>
           </a:p>
@@ -1876,7 +1876,7 @@
             <a:fld id="{5586B75A-687E-405C-8A0B-8D00578BA2C3}" type="datetimeFigureOut">
               <a:rPr lang="en-US" smtClean="0"/>
               <a:pPr/>
-              <a:t>8/9/23</a:t>
+              <a:t>8/31/23</a:t>
             </a:fld>
             <a:endParaRPr lang="en-US" dirty="0"/>
           </a:p>
@@ -1996,7 +1996,7 @@
             <a:fld id="{5586B75A-687E-405C-8A0B-8D00578BA2C3}" type="datetimeFigureOut">
               <a:rPr lang="en-US" smtClean="0"/>
               <a:pPr/>
-              <a:t>8/9/23</a:t>
+              <a:t>8/31/23</a:t>
             </a:fld>
             <a:endParaRPr lang="en-US" dirty="0"/>
           </a:p>
@@ -2093,7 +2093,7 @@
             <a:fld id="{5586B75A-687E-405C-8A0B-8D00578BA2C3}" type="datetimeFigureOut">
               <a:rPr lang="en-US" smtClean="0"/>
               <a:pPr/>
-              <a:t>8/9/23</a:t>
+              <a:t>8/31/23</a:t>
             </a:fld>
             <a:endParaRPr lang="en-US" dirty="0"/>
           </a:p>
@@ -2383,7 +2383,7 @@
             <a:fld id="{5586B75A-687E-405C-8A0B-8D00578BA2C3}" type="datetimeFigureOut">
               <a:rPr lang="en-US" smtClean="0"/>
               <a:pPr/>
-              <a:t>8/9/23</a:t>
+              <a:t>8/31/23</a:t>
             </a:fld>
             <a:endParaRPr lang="en-US" dirty="0"/>
           </a:p>
@@ -2658,7 +2658,7 @@
             <a:fld id="{5586B75A-687E-405C-8A0B-8D00578BA2C3}" type="datetimeFigureOut">
               <a:rPr lang="en-US" smtClean="0"/>
               <a:pPr/>
-              <a:t>8/9/23</a:t>
+              <a:t>8/31/23</a:t>
             </a:fld>
             <a:endParaRPr lang="en-US" dirty="0"/>
           </a:p>
@@ -2957,7 +2957,7 @@
             <a:fld id="{5586B75A-687E-405C-8A0B-8D00578BA2C3}" type="datetimeFigureOut">
               <a:rPr lang="en-US" smtClean="0"/>
               <a:pPr/>
-              <a:t>8/9/23</a:t>
+              <a:t>8/31/23</a:t>
             </a:fld>
             <a:endParaRPr lang="en-US" dirty="0"/>
           </a:p>
@@ -3744,7 +3744,7 @@
         <p:spPr/>
         <p:txBody>
           <a:bodyPr anchor="t">
-            <a:normAutofit fontScale="92500"/>
+            <a:normAutofit/>
           </a:bodyPr>
           <a:lstStyle/>
           <a:p>
@@ -3780,20 +3780,13 @@
           <a:p>
             <a:r>
               <a:rPr lang="en-US" sz="3200" dirty="0"/>
-              <a:t>Slack: </a:t>
-            </a:r>
-            <a:r>
-              <a:rPr lang="en-US" sz="3200" b="0" i="0" dirty="0">
-                <a:effectLst/>
-                <a:hlinkClick r:id="rId3"/>
-              </a:rPr>
-              <a:t>https://join.slack.com/t/slack-5iy4385/shared_invite/zt-20pmy0gm9-GtGfeiVqejOx5Gs5MomdFA</a:t>
+              <a:t>PLATO: </a:t>
             </a:r>
             <a:r>
               <a:rPr lang="en-US" sz="3200" b="0" i="0" dirty="0">
                 <a:effectLst/>
               </a:rPr>
-              <a:t> (please use slack for all course related communication) </a:t>
+              <a:t>please use for all course related communication </a:t>
             </a:r>
           </a:p>
           <a:p>
@@ -3884,7 +3877,7 @@
         <p:spPr/>
         <p:txBody>
           <a:bodyPr anchor="t">
-            <a:normAutofit fontScale="55000" lnSpcReduction="20000"/>
+            <a:normAutofit fontScale="62500" lnSpcReduction="20000"/>
           </a:bodyPr>
           <a:lstStyle/>
           <a:p>
@@ -3933,32 +3926,7 @@
               <a:rPr lang="en-US" sz="3800" b="0" i="0" dirty="0">
                 <a:effectLst/>
               </a:rPr>
-              <a:t>Turn in with </a:t>
-            </a:r>
-            <a:r>
-              <a:rPr lang="en-US" sz="3800" b="0" i="0" dirty="0" err="1">
-                <a:effectLst/>
-              </a:rPr>
-              <a:t>Gradescope</a:t>
-            </a:r>
-            <a:r>
-              <a:rPr lang="en-US" sz="3800" b="0" i="0" dirty="0">
-                <a:effectLst/>
-              </a:rPr>
-              <a:t> (entry code - 57E78Y): </a:t>
-            </a:r>
-            <a:r>
-              <a:rPr lang="en-US" sz="3800" b="0" i="0" dirty="0">
-                <a:effectLst/>
-                <a:hlinkClick r:id="rId3"/>
-              </a:rPr>
-              <a:t>https://www.gradescope.com/courses/556961</a:t>
-            </a:r>
-            <a:r>
-              <a:rPr lang="en-US" sz="3800" b="0" i="0" dirty="0">
-                <a:effectLst/>
-              </a:rPr>
-              <a:t> </a:t>
+              <a:t>Turn in on PLATO</a:t>
             </a:r>
           </a:p>
           <a:p>

--- a/slides/01-welcome.pptx
+++ b/slides/01-welcome.pptx
@@ -360,7 +360,7 @@
             <a:fld id="{5586B75A-687E-405C-8A0B-8D00578BA2C3}" type="datetimeFigureOut">
               <a:rPr lang="en-US" smtClean="0"/>
               <a:pPr/>
-              <a:t>8/31/23</a:t>
+              <a:t>9/1/23</a:t>
             </a:fld>
             <a:endParaRPr lang="en-US" dirty="0"/>
           </a:p>
@@ -532,7 +532,7 @@
             <a:fld id="{5586B75A-687E-405C-8A0B-8D00578BA2C3}" type="datetimeFigureOut">
               <a:rPr lang="en-US" smtClean="0"/>
               <a:pPr/>
-              <a:t>8/31/23</a:t>
+              <a:t>9/1/23</a:t>
             </a:fld>
             <a:endParaRPr lang="en-US" dirty="0"/>
           </a:p>
@@ -714,7 +714,7 @@
             <a:fld id="{5586B75A-687E-405C-8A0B-8D00578BA2C3}" type="datetimeFigureOut">
               <a:rPr lang="en-US" smtClean="0"/>
               <a:pPr/>
-              <a:t>8/31/23</a:t>
+              <a:t>9/1/23</a:t>
             </a:fld>
             <a:endParaRPr lang="en-US" dirty="0"/>
           </a:p>
@@ -886,7 +886,7 @@
             <a:fld id="{5586B75A-687E-405C-8A0B-8D00578BA2C3}" type="datetimeFigureOut">
               <a:rPr lang="en-US" smtClean="0"/>
               <a:pPr/>
-              <a:t>8/31/23</a:t>
+              <a:t>9/1/23</a:t>
             </a:fld>
             <a:endParaRPr lang="en-US" dirty="0"/>
           </a:p>
@@ -1142,7 +1142,7 @@
             <a:fld id="{5586B75A-687E-405C-8A0B-8D00578BA2C3}" type="datetimeFigureOut">
               <a:rPr lang="en-US" smtClean="0"/>
               <a:pPr/>
-              <a:t>8/31/23</a:t>
+              <a:t>9/1/23</a:t>
             </a:fld>
             <a:endParaRPr lang="en-US" dirty="0"/>
           </a:p>
@@ -1432,7 +1432,7 @@
             <a:fld id="{5586B75A-687E-405C-8A0B-8D00578BA2C3}" type="datetimeFigureOut">
               <a:rPr lang="en-US" smtClean="0"/>
               <a:pPr/>
-              <a:t>8/31/23</a:t>
+              <a:t>9/1/23</a:t>
             </a:fld>
             <a:endParaRPr lang="en-US" dirty="0"/>
           </a:p>
@@ -1876,7 +1876,7 @@
             <a:fld id="{5586B75A-687E-405C-8A0B-8D00578BA2C3}" type="datetimeFigureOut">
               <a:rPr lang="en-US" smtClean="0"/>
               <a:pPr/>
-              <a:t>8/31/23</a:t>
+              <a:t>9/1/23</a:t>
             </a:fld>
             <a:endParaRPr lang="en-US" dirty="0"/>
           </a:p>
@@ -1996,7 +1996,7 @@
             <a:fld id="{5586B75A-687E-405C-8A0B-8D00578BA2C3}" type="datetimeFigureOut">
               <a:rPr lang="en-US" smtClean="0"/>
               <a:pPr/>
-              <a:t>8/31/23</a:t>
+              <a:t>9/1/23</a:t>
             </a:fld>
             <a:endParaRPr lang="en-US" dirty="0"/>
           </a:p>
@@ -2093,7 +2093,7 @@
             <a:fld id="{5586B75A-687E-405C-8A0B-8D00578BA2C3}" type="datetimeFigureOut">
               <a:rPr lang="en-US" smtClean="0"/>
               <a:pPr/>
-              <a:t>8/31/23</a:t>
+              <a:t>9/1/23</a:t>
             </a:fld>
             <a:endParaRPr lang="en-US" dirty="0"/>
           </a:p>
@@ -2383,7 +2383,7 @@
             <a:fld id="{5586B75A-687E-405C-8A0B-8D00578BA2C3}" type="datetimeFigureOut">
               <a:rPr lang="en-US" smtClean="0"/>
               <a:pPr/>
-              <a:t>8/31/23</a:t>
+              <a:t>9/1/23</a:t>
             </a:fld>
             <a:endParaRPr lang="en-US" dirty="0"/>
           </a:p>
@@ -2658,7 +2658,7 @@
             <a:fld id="{5586B75A-687E-405C-8A0B-8D00578BA2C3}" type="datetimeFigureOut">
               <a:rPr lang="en-US" smtClean="0"/>
               <a:pPr/>
-              <a:t>8/31/23</a:t>
+              <a:t>9/1/23</a:t>
             </a:fld>
             <a:endParaRPr lang="en-US" dirty="0"/>
           </a:p>
@@ -2957,7 +2957,7 @@
             <a:fld id="{5586B75A-687E-405C-8A0B-8D00578BA2C3}" type="datetimeFigureOut">
               <a:rPr lang="en-US" smtClean="0"/>
               <a:pPr/>
-              <a:t>8/31/23</a:t>
+              <a:t>9/1/23</a:t>
             </a:fld>
             <a:endParaRPr lang="en-US" dirty="0"/>
           </a:p>
@@ -4087,7 +4087,7 @@
           <a:p>
             <a:r>
               <a:rPr lang="en-US" sz="3600" dirty="0"/>
-              <a:t>Please come to office hours or reach out on Slack if you need any additional support  </a:t>
+              <a:t>Please come to office hours or reach out on PLATO if you need any additional support  </a:t>
             </a:r>
           </a:p>
         </p:txBody>

--- a/slides/01-welcome.pptx
+++ b/slides/01-welcome.pptx
@@ -360,7 +360,7 @@
             <a:fld id="{5586B75A-687E-405C-8A0B-8D00578BA2C3}" type="datetimeFigureOut">
               <a:rPr lang="en-US" smtClean="0"/>
               <a:pPr/>
-              <a:t>9/1/23</a:t>
+              <a:t>9/5/23</a:t>
             </a:fld>
             <a:endParaRPr lang="en-US" dirty="0"/>
           </a:p>
@@ -532,7 +532,7 @@
             <a:fld id="{5586B75A-687E-405C-8A0B-8D00578BA2C3}" type="datetimeFigureOut">
               <a:rPr lang="en-US" smtClean="0"/>
               <a:pPr/>
-              <a:t>9/1/23</a:t>
+              <a:t>9/5/23</a:t>
             </a:fld>
             <a:endParaRPr lang="en-US" dirty="0"/>
           </a:p>
@@ -714,7 +714,7 @@
             <a:fld id="{5586B75A-687E-405C-8A0B-8D00578BA2C3}" type="datetimeFigureOut">
               <a:rPr lang="en-US" smtClean="0"/>
               <a:pPr/>
-              <a:t>9/1/23</a:t>
+              <a:t>9/5/23</a:t>
             </a:fld>
             <a:endParaRPr lang="en-US" dirty="0"/>
           </a:p>
@@ -886,7 +886,7 @@
             <a:fld id="{5586B75A-687E-405C-8A0B-8D00578BA2C3}" type="datetimeFigureOut">
               <a:rPr lang="en-US" smtClean="0"/>
               <a:pPr/>
-              <a:t>9/1/23</a:t>
+              <a:t>9/5/23</a:t>
             </a:fld>
             <a:endParaRPr lang="en-US" dirty="0"/>
           </a:p>
@@ -1142,7 +1142,7 @@
             <a:fld id="{5586B75A-687E-405C-8A0B-8D00578BA2C3}" type="datetimeFigureOut">
               <a:rPr lang="en-US" smtClean="0"/>
               <a:pPr/>
-              <a:t>9/1/23</a:t>
+              <a:t>9/5/23</a:t>
             </a:fld>
             <a:endParaRPr lang="en-US" dirty="0"/>
           </a:p>
@@ -1432,7 +1432,7 @@
             <a:fld id="{5586B75A-687E-405C-8A0B-8D00578BA2C3}" type="datetimeFigureOut">
               <a:rPr lang="en-US" smtClean="0"/>
               <a:pPr/>
-              <a:t>9/1/23</a:t>
+              <a:t>9/5/23</a:t>
             </a:fld>
             <a:endParaRPr lang="en-US" dirty="0"/>
           </a:p>
@@ -1876,7 +1876,7 @@
             <a:fld id="{5586B75A-687E-405C-8A0B-8D00578BA2C3}" type="datetimeFigureOut">
               <a:rPr lang="en-US" smtClean="0"/>
               <a:pPr/>
-              <a:t>9/1/23</a:t>
+              <a:t>9/5/23</a:t>
             </a:fld>
             <a:endParaRPr lang="en-US" dirty="0"/>
           </a:p>
@@ -1996,7 +1996,7 @@
             <a:fld id="{5586B75A-687E-405C-8A0B-8D00578BA2C3}" type="datetimeFigureOut">
               <a:rPr lang="en-US" smtClean="0"/>
               <a:pPr/>
-              <a:t>9/1/23</a:t>
+              <a:t>9/5/23</a:t>
             </a:fld>
             <a:endParaRPr lang="en-US" dirty="0"/>
           </a:p>
@@ -2093,7 +2093,7 @@
             <a:fld id="{5586B75A-687E-405C-8A0B-8D00578BA2C3}" type="datetimeFigureOut">
               <a:rPr lang="en-US" smtClean="0"/>
               <a:pPr/>
-              <a:t>9/1/23</a:t>
+              <a:t>9/5/23</a:t>
             </a:fld>
             <a:endParaRPr lang="en-US" dirty="0"/>
           </a:p>
@@ -2383,7 +2383,7 @@
             <a:fld id="{5586B75A-687E-405C-8A0B-8D00578BA2C3}" type="datetimeFigureOut">
               <a:rPr lang="en-US" smtClean="0"/>
               <a:pPr/>
-              <a:t>9/1/23</a:t>
+              <a:t>9/5/23</a:t>
             </a:fld>
             <a:endParaRPr lang="en-US" dirty="0"/>
           </a:p>
@@ -2658,7 +2658,7 @@
             <a:fld id="{5586B75A-687E-405C-8A0B-8D00578BA2C3}" type="datetimeFigureOut">
               <a:rPr lang="en-US" smtClean="0"/>
               <a:pPr/>
-              <a:t>9/1/23</a:t>
+              <a:t>9/5/23</a:t>
             </a:fld>
             <a:endParaRPr lang="en-US" dirty="0"/>
           </a:p>
@@ -2957,7 +2957,7 @@
             <a:fld id="{5586B75A-687E-405C-8A0B-8D00578BA2C3}" type="datetimeFigureOut">
               <a:rPr lang="en-US" smtClean="0"/>
               <a:pPr/>
-              <a:t>9/1/23</a:t>
+              <a:t>9/5/23</a:t>
             </a:fld>
             <a:endParaRPr lang="en-US" dirty="0"/>
           </a:p>
@@ -3795,8 +3795,21 @@
           <a:p>
             <a:r>
               <a:rPr lang="en-US" sz="3200" dirty="0"/>
-              <a:t>OH’s: T/R 11:30 – 13:30 (stop by and say hi!)  </a:t>
-            </a:r>
+              <a:t>OH’s: T/R 11:30 – 13:30 (stop by and say hi</a:t>
+            </a:r>
+            <a:r>
+              <a:rPr lang="en-US" sz="3200"/>
+              <a:t>!) </a:t>
+            </a:r>
+            <a:r>
+              <a:rPr lang="en-US" sz="3200">
+                <a:solidFill>
+                  <a:srgbClr val="C00000"/>
+                </a:solidFill>
+              </a:rPr>
+              <a:t>**starting NEXT week** </a:t>
+            </a:r>
+            <a:endParaRPr lang="en-US" sz="3200" dirty="0"/>
           </a:p>
         </p:txBody>
       </p:sp>
